--- a/module-05-dijkstra/slides/09-capstone-project.pptx
+++ b/module-05-dijkstra/slides/09-capstone-project.pptx
@@ -6844,6 +6844,30 @@
           </a:p>
         </p:txBody>
       </p:sp>
+      <p:pic>
+        <p:nvPicPr>
+          <p:cNvPr id="8" name="Picture 7" descr="run1-vs-run2.png"/>
+          <p:cNvPicPr>
+            <a:picLocks noChangeAspect="1"/>
+          </p:cNvPicPr>
+          <p:nvPr/>
+        </p:nvPicPr>
+        <p:blipFill>
+          <a:blip r:embed="rId2"/>
+          <a:stretch>
+            <a:fillRect/>
+          </a:stretch>
+        </p:blipFill>
+        <p:spPr>
+          <a:xfrm>
+            <a:off x="731520" y="1645920"/>
+            <a:ext cx="5943600" cy="2409905"/>
+          </a:xfrm>
+          <a:prstGeom prst="rect">
+            <a:avLst/>
+          </a:prstGeom>
+        </p:spPr>
+      </p:pic>
     </p:spTree>
   </p:cSld>
   <p:clrMapOvr>
